--- a/docs/diagrams/UndoRedoNewCommand1StateListDiagram.pptx
+++ b/docs/diagrams/UndoRedoNewCommand1StateListDiagram.pptx
@@ -112,10 +112,6 @@
 </p:presentation>
 </file>
 
-<file path=ppt/revisionInfo.xml><?xml version="1.0" encoding="utf-8"?>
-<p1510:revInfo xmlns:a="http://schemas.openxmlformats.org/drawingml/2006/main" xmlns:r="http://schemas.openxmlformats.org/officeDocument/2006/relationships" xmlns:p1510="http://schemas.microsoft.com/office/powerpoint/2015/10/main"/>
-</file>
-
 <file path=ppt/slideLayouts/slideLayout1.xml><?xml version="1.0" encoding="utf-8"?>
 <p:sldLayout xmlns:a="http://schemas.openxmlformats.org/drawingml/2006/main" xmlns:r="http://schemas.openxmlformats.org/officeDocument/2006/relationships" xmlns:p="http://schemas.openxmlformats.org/presentationml/2006/main" type="title" preserve="1">
   <p:cSld name="Title Slide">
@@ -265,7 +261,7 @@
           <a:p>
             <a:fld id="{03EC4E3E-8101-482F-A883-8B55DAFF7C07}" type="datetimeFigureOut">
               <a:rPr lang="en-SG" smtClean="0"/>
-              <a:t>6/7/2018</a:t>
+              <a:t>23/10/2018</a:t>
             </a:fld>
             <a:endParaRPr lang="en-SG"/>
           </a:p>
@@ -465,7 +461,7 @@
           <a:p>
             <a:fld id="{03EC4E3E-8101-482F-A883-8B55DAFF7C07}" type="datetimeFigureOut">
               <a:rPr lang="en-SG" smtClean="0"/>
-              <a:t>6/7/2018</a:t>
+              <a:t>23/10/2018</a:t>
             </a:fld>
             <a:endParaRPr lang="en-SG"/>
           </a:p>
@@ -675,7 +671,7 @@
           <a:p>
             <a:fld id="{03EC4E3E-8101-482F-A883-8B55DAFF7C07}" type="datetimeFigureOut">
               <a:rPr lang="en-SG" smtClean="0"/>
-              <a:t>6/7/2018</a:t>
+              <a:t>23/10/2018</a:t>
             </a:fld>
             <a:endParaRPr lang="en-SG"/>
           </a:p>
@@ -875,7 +871,7 @@
           <a:p>
             <a:fld id="{03EC4E3E-8101-482F-A883-8B55DAFF7C07}" type="datetimeFigureOut">
               <a:rPr lang="en-SG" smtClean="0"/>
-              <a:t>6/7/2018</a:t>
+              <a:t>23/10/2018</a:t>
             </a:fld>
             <a:endParaRPr lang="en-SG"/>
           </a:p>
@@ -1151,7 +1147,7 @@
           <a:p>
             <a:fld id="{03EC4E3E-8101-482F-A883-8B55DAFF7C07}" type="datetimeFigureOut">
               <a:rPr lang="en-SG" smtClean="0"/>
-              <a:t>6/7/2018</a:t>
+              <a:t>23/10/2018</a:t>
             </a:fld>
             <a:endParaRPr lang="en-SG"/>
           </a:p>
@@ -1419,7 +1415,7 @@
           <a:p>
             <a:fld id="{03EC4E3E-8101-482F-A883-8B55DAFF7C07}" type="datetimeFigureOut">
               <a:rPr lang="en-SG" smtClean="0"/>
-              <a:t>6/7/2018</a:t>
+              <a:t>23/10/2018</a:t>
             </a:fld>
             <a:endParaRPr lang="en-SG"/>
           </a:p>
@@ -1834,7 +1830,7 @@
           <a:p>
             <a:fld id="{03EC4E3E-8101-482F-A883-8B55DAFF7C07}" type="datetimeFigureOut">
               <a:rPr lang="en-SG" smtClean="0"/>
-              <a:t>6/7/2018</a:t>
+              <a:t>23/10/2018</a:t>
             </a:fld>
             <a:endParaRPr lang="en-SG"/>
           </a:p>
@@ -1976,7 +1972,7 @@
           <a:p>
             <a:fld id="{03EC4E3E-8101-482F-A883-8B55DAFF7C07}" type="datetimeFigureOut">
               <a:rPr lang="en-SG" smtClean="0"/>
-              <a:t>6/7/2018</a:t>
+              <a:t>23/10/2018</a:t>
             </a:fld>
             <a:endParaRPr lang="en-SG"/>
           </a:p>
@@ -2089,7 +2085,7 @@
           <a:p>
             <a:fld id="{03EC4E3E-8101-482F-A883-8B55DAFF7C07}" type="datetimeFigureOut">
               <a:rPr lang="en-SG" smtClean="0"/>
-              <a:t>6/7/2018</a:t>
+              <a:t>23/10/2018</a:t>
             </a:fld>
             <a:endParaRPr lang="en-SG"/>
           </a:p>
@@ -2402,7 +2398,7 @@
           <a:p>
             <a:fld id="{03EC4E3E-8101-482F-A883-8B55DAFF7C07}" type="datetimeFigureOut">
               <a:rPr lang="en-SG" smtClean="0"/>
-              <a:t>6/7/2018</a:t>
+              <a:t>23/10/2018</a:t>
             </a:fld>
             <a:endParaRPr lang="en-SG"/>
           </a:p>
@@ -2691,7 +2687,7 @@
           <a:p>
             <a:fld id="{03EC4E3E-8101-482F-A883-8B55DAFF7C07}" type="datetimeFigureOut">
               <a:rPr lang="en-SG" smtClean="0"/>
-              <a:t>6/7/2018</a:t>
+              <a:t>23/10/2018</a:t>
             </a:fld>
             <a:endParaRPr lang="en-SG"/>
           </a:p>
@@ -2934,7 +2930,7 @@
           <a:p>
             <a:fld id="{03EC4E3E-8101-482F-A883-8B55DAFF7C07}" type="datetimeFigureOut">
               <a:rPr lang="en-SG" smtClean="0"/>
-              <a:t>6/7/2018</a:t>
+              <a:t>23/10/2018</a:t>
             </a:fld>
             <a:endParaRPr lang="en-SG"/>
           </a:p>
@@ -3395,74 +3391,6 @@
           </a:p>
         </p:txBody>
       </p:sp>
-      <p:graphicFrame>
-        <p:nvGraphicFramePr>
-          <p:cNvPr id="13" name="Table 12">
-            <a:extLst>
-              <a:ext uri="{FF2B5EF4-FFF2-40B4-BE49-F238E27FC236}">
-                <a16:creationId xmlns:a16="http://schemas.microsoft.com/office/drawing/2014/main" id="{F545FAB8-F1CE-4886-9BDE-E772BCB0A9C4}"/>
-              </a:ext>
-            </a:extLst>
-          </p:cNvPr>
-          <p:cNvGraphicFramePr>
-            <a:graphicFrameLocks noGrp="1"/>
-          </p:cNvGraphicFramePr>
-          <p:nvPr>
-            <p:extLst>
-              <p:ext uri="{D42A27DB-BD31-4B8C-83A1-F6EECF244321}">
-                <p14:modId xmlns:p14="http://schemas.microsoft.com/office/powerpoint/2010/main" val="770650361"/>
-              </p:ext>
-            </p:extLst>
-          </p:nvPr>
-        </p:nvGraphicFramePr>
-        <p:xfrm>
-          <a:off x="473240" y="1476102"/>
-          <a:ext cx="1833356" cy="410363"/>
-        </p:xfrm>
-        <a:graphic>
-          <a:graphicData uri="http://schemas.openxmlformats.org/drawingml/2006/table">
-            <a:tbl>
-              <a:tblPr>
-                <a:tableStyleId>{638B1855-1B75-4FBE-930C-398BA8C253C6}</a:tableStyleId>
-              </a:tblPr>
-              <a:tblGrid>
-                <a:gridCol w="1833356">
-                  <a:extLst>
-                    <a:ext uri="{9D8B030D-6E8A-4147-A177-3AD203B41FA5}">
-                      <a16:colId xmlns:a16="http://schemas.microsoft.com/office/drawing/2014/main" val="4240773277"/>
-                    </a:ext>
-                  </a:extLst>
-                </a:gridCol>
-              </a:tblGrid>
-              <a:tr h="410363">
-                <a:tc>
-                  <a:txBody>
-                    <a:bodyPr/>
-                    <a:lstStyle/>
-                    <a:p>
-                      <a:r>
-                        <a:rPr lang="en-SG" u="sng" dirty="0"/>
-                        <a:t>ab0:</a:t>
-                      </a:r>
-                      <a:r>
-                        <a:rPr lang="en-SG" sz="1800" u="sng" dirty="0"/>
-                        <a:t>AddressBook</a:t>
-                      </a:r>
-                      <a:endParaRPr lang="en-SG" sz="1600" u="sng" dirty="0"/>
-                    </a:p>
-                  </a:txBody>
-                  <a:tcPr/>
-                </a:tc>
-                <a:extLst>
-                  <a:ext uri="{0D108BD9-81ED-4DB2-BD59-A6C34878D82A}">
-                    <a16:rowId xmlns:a16="http://schemas.microsoft.com/office/drawing/2014/main" val="2194462629"/>
-                  </a:ext>
-                </a:extLst>
-              </a:tr>
-            </a:tbl>
-          </a:graphicData>
-        </a:graphic>
-      </p:graphicFrame>
       <p:sp>
         <p:nvSpPr>
           <p:cNvPr id="3" name="Down Arrow 2"/>
@@ -3643,142 +3571,6 @@
           </a:p>
         </p:txBody>
       </p:sp>
-      <p:graphicFrame>
-        <p:nvGraphicFramePr>
-          <p:cNvPr id="12" name="Table 11">
-            <a:extLst>
-              <a:ext uri="{FF2B5EF4-FFF2-40B4-BE49-F238E27FC236}">
-                <a16:creationId xmlns:a16="http://schemas.microsoft.com/office/drawing/2014/main" id="{F545FAB8-F1CE-4886-9BDE-E772BCB0A9C4}"/>
-              </a:ext>
-            </a:extLst>
-          </p:cNvPr>
-          <p:cNvGraphicFramePr>
-            <a:graphicFrameLocks noGrp="1"/>
-          </p:cNvGraphicFramePr>
-          <p:nvPr>
-            <p:extLst>
-              <p:ext uri="{D42A27DB-BD31-4B8C-83A1-F6EECF244321}">
-                <p14:modId xmlns:p14="http://schemas.microsoft.com/office/powerpoint/2010/main" val="2370624015"/>
-              </p:ext>
-            </p:extLst>
-          </p:nvPr>
-        </p:nvGraphicFramePr>
-        <p:xfrm>
-          <a:off x="2448268" y="3926065"/>
-          <a:ext cx="1833356" cy="410363"/>
-        </p:xfrm>
-        <a:graphic>
-          <a:graphicData uri="http://schemas.openxmlformats.org/drawingml/2006/table">
-            <a:tbl>
-              <a:tblPr>
-                <a:tableStyleId>{638B1855-1B75-4FBE-930C-398BA8C253C6}</a:tableStyleId>
-              </a:tblPr>
-              <a:tblGrid>
-                <a:gridCol w="1833356">
-                  <a:extLst>
-                    <a:ext uri="{9D8B030D-6E8A-4147-A177-3AD203B41FA5}">
-                      <a16:colId xmlns:a16="http://schemas.microsoft.com/office/drawing/2014/main" val="4240773277"/>
-                    </a:ext>
-                  </a:extLst>
-                </a:gridCol>
-              </a:tblGrid>
-              <a:tr h="410363">
-                <a:tc>
-                  <a:txBody>
-                    <a:bodyPr/>
-                    <a:lstStyle/>
-                    <a:p>
-                      <a:r>
-                        <a:rPr lang="en-SG" u="sng" dirty="0"/>
-                        <a:t>ab1:</a:t>
-                      </a:r>
-                      <a:r>
-                        <a:rPr lang="en-SG" sz="1800" u="sng" dirty="0"/>
-                        <a:t>AddressBook</a:t>
-                      </a:r>
-                      <a:endParaRPr lang="en-SG" sz="1600" u="sng" dirty="0"/>
-                    </a:p>
-                  </a:txBody>
-                  <a:tcPr/>
-                </a:tc>
-                <a:extLst>
-                  <a:ext uri="{0D108BD9-81ED-4DB2-BD59-A6C34878D82A}">
-                    <a16:rowId xmlns:a16="http://schemas.microsoft.com/office/drawing/2014/main" val="2194462629"/>
-                  </a:ext>
-                </a:extLst>
-              </a:tr>
-            </a:tbl>
-          </a:graphicData>
-        </a:graphic>
-      </p:graphicFrame>
-      <p:graphicFrame>
-        <p:nvGraphicFramePr>
-          <p:cNvPr id="15" name="Table 14">
-            <a:extLst>
-              <a:ext uri="{FF2B5EF4-FFF2-40B4-BE49-F238E27FC236}">
-                <a16:creationId xmlns:a16="http://schemas.microsoft.com/office/drawing/2014/main" id="{F545FAB8-F1CE-4886-9BDE-E772BCB0A9C4}"/>
-              </a:ext>
-            </a:extLst>
-          </p:cNvPr>
-          <p:cNvGraphicFramePr>
-            <a:graphicFrameLocks noGrp="1"/>
-          </p:cNvGraphicFramePr>
-          <p:nvPr>
-            <p:extLst>
-              <p:ext uri="{D42A27DB-BD31-4B8C-83A1-F6EECF244321}">
-                <p14:modId xmlns:p14="http://schemas.microsoft.com/office/powerpoint/2010/main" val="2523374166"/>
-              </p:ext>
-            </p:extLst>
-          </p:nvPr>
-        </p:nvGraphicFramePr>
-        <p:xfrm>
-          <a:off x="473240" y="3918002"/>
-          <a:ext cx="1833356" cy="410363"/>
-        </p:xfrm>
-        <a:graphic>
-          <a:graphicData uri="http://schemas.openxmlformats.org/drawingml/2006/table">
-            <a:tbl>
-              <a:tblPr>
-                <a:tableStyleId>{638B1855-1B75-4FBE-930C-398BA8C253C6}</a:tableStyleId>
-              </a:tblPr>
-              <a:tblGrid>
-                <a:gridCol w="1833356">
-                  <a:extLst>
-                    <a:ext uri="{9D8B030D-6E8A-4147-A177-3AD203B41FA5}">
-                      <a16:colId xmlns:a16="http://schemas.microsoft.com/office/drawing/2014/main" val="4240773277"/>
-                    </a:ext>
-                  </a:extLst>
-                </a:gridCol>
-              </a:tblGrid>
-              <a:tr h="410363">
-                <a:tc>
-                  <a:txBody>
-                    <a:bodyPr/>
-                    <a:lstStyle/>
-                    <a:p>
-                      <a:r>
-                        <a:rPr lang="en-SG" u="sng" dirty="0"/>
-                        <a:t>ab0:</a:t>
-                      </a:r>
-                      <a:r>
-                        <a:rPr lang="en-SG" sz="1800" u="sng" dirty="0"/>
-                        <a:t>AddressBook</a:t>
-                      </a:r>
-                      <a:endParaRPr lang="en-SG" sz="1600" u="sng" dirty="0"/>
-                    </a:p>
-                  </a:txBody>
-                  <a:tcPr/>
-                </a:tc>
-                <a:extLst>
-                  <a:ext uri="{0D108BD9-81ED-4DB2-BD59-A6C34878D82A}">
-                    <a16:rowId xmlns:a16="http://schemas.microsoft.com/office/drawing/2014/main" val="2194462629"/>
-                  </a:ext>
-                </a:extLst>
-              </a:tr>
-            </a:tbl>
-          </a:graphicData>
-        </a:graphic>
-      </p:graphicFrame>
       <p:cxnSp>
         <p:nvCxnSpPr>
           <p:cNvPr id="14" name="Straight Arrow Connector 13">
@@ -3867,6 +3659,96 @@
           </a:fontRef>
         </p:style>
       </p:cxnSp>
+      <p:pic>
+        <p:nvPicPr>
+          <p:cNvPr id="17" name="table">
+            <a:extLst>
+              <a:ext uri="{FF2B5EF4-FFF2-40B4-BE49-F238E27FC236}">
+                <a16:creationId xmlns:a16="http://schemas.microsoft.com/office/drawing/2014/main" id="{A951DA3D-DE18-49C2-BA54-68A071EDA80D}"/>
+              </a:ext>
+            </a:extLst>
+          </p:cNvPr>
+          <p:cNvPicPr>
+            <a:picLocks noChangeAspect="1"/>
+          </p:cNvPicPr>
+          <p:nvPr/>
+        </p:nvPicPr>
+        <p:blipFill>
+          <a:blip r:embed="rId2"/>
+          <a:stretch>
+            <a:fillRect/>
+          </a:stretch>
+        </p:blipFill>
+        <p:spPr>
+          <a:xfrm>
+            <a:off x="439910" y="3943161"/>
+            <a:ext cx="1370797" cy="417888"/>
+          </a:xfrm>
+          <a:prstGeom prst="rect">
+            <a:avLst/>
+          </a:prstGeom>
+        </p:spPr>
+      </p:pic>
+      <p:pic>
+        <p:nvPicPr>
+          <p:cNvPr id="18" name="table">
+            <a:extLst>
+              <a:ext uri="{FF2B5EF4-FFF2-40B4-BE49-F238E27FC236}">
+                <a16:creationId xmlns:a16="http://schemas.microsoft.com/office/drawing/2014/main" id="{C32B7AAE-E812-4010-BDE7-42F8660E9BDD}"/>
+              </a:ext>
+            </a:extLst>
+          </p:cNvPr>
+          <p:cNvPicPr>
+            <a:picLocks noChangeAspect="1"/>
+          </p:cNvPicPr>
+          <p:nvPr/>
+        </p:nvPicPr>
+        <p:blipFill>
+          <a:blip r:embed="rId3"/>
+          <a:stretch>
+            <a:fillRect/>
+          </a:stretch>
+        </p:blipFill>
+        <p:spPr>
+          <a:xfrm>
+            <a:off x="1906663" y="3943161"/>
+            <a:ext cx="1285808" cy="417888"/>
+          </a:xfrm>
+          <a:prstGeom prst="rect">
+            <a:avLst/>
+          </a:prstGeom>
+        </p:spPr>
+      </p:pic>
+      <p:pic>
+        <p:nvPicPr>
+          <p:cNvPr id="21" name="table">
+            <a:extLst>
+              <a:ext uri="{FF2B5EF4-FFF2-40B4-BE49-F238E27FC236}">
+                <a16:creationId xmlns:a16="http://schemas.microsoft.com/office/drawing/2014/main" id="{A951DA3D-DE18-49C2-BA54-68A071EDA80D}"/>
+              </a:ext>
+            </a:extLst>
+          </p:cNvPr>
+          <p:cNvPicPr>
+            <a:picLocks noChangeAspect="1"/>
+          </p:cNvPicPr>
+          <p:nvPr/>
+        </p:nvPicPr>
+        <p:blipFill>
+          <a:blip r:embed="rId2"/>
+          <a:stretch>
+            <a:fillRect/>
+          </a:stretch>
+        </p:blipFill>
+        <p:spPr>
+          <a:xfrm>
+            <a:off x="462517" y="1501017"/>
+            <a:ext cx="1370797" cy="417888"/>
+          </a:xfrm>
+          <a:prstGeom prst="rect">
+            <a:avLst/>
+          </a:prstGeom>
+        </p:spPr>
+      </p:pic>
     </p:spTree>
     <p:extLst>
       <p:ext uri="{BB962C8B-B14F-4D97-AF65-F5344CB8AC3E}">
